--- a/DsDotNet/src/UnitTest/UnitTest.Model/ImportOfficeExample/SampleA/exportDS/testA/lib/dev.pptx
+++ b/DsDotNet/src/UnitTest/UnitTest.Model/ImportOfficeExample/SampleA/exportDS/testA/lib/dev.pptx
@@ -260,7 +260,7 @@
           <a:p>
             <a:fld id="{E31A602F-9409-4B9A-9D14-798E704D8577}" type="datetimeFigureOut">
               <a:rPr lang="ko-KR" altLang="en-US" smtClean="0"/>
-              <a:t>2024-08-14</a:t>
+              <a:t>2024-10-28</a:t>
             </a:fld>
             <a:endParaRPr lang="ko-KR" altLang="en-US"/>
           </a:p>
@@ -458,7 +458,7 @@
           <a:p>
             <a:fld id="{E31A602F-9409-4B9A-9D14-798E704D8577}" type="datetimeFigureOut">
               <a:rPr lang="ko-KR" altLang="en-US" smtClean="0"/>
-              <a:t>2024-08-14</a:t>
+              <a:t>2024-10-28</a:t>
             </a:fld>
             <a:endParaRPr lang="ko-KR" altLang="en-US"/>
           </a:p>
@@ -666,7 +666,7 @@
           <a:p>
             <a:fld id="{E31A602F-9409-4B9A-9D14-798E704D8577}" type="datetimeFigureOut">
               <a:rPr lang="ko-KR" altLang="en-US" smtClean="0"/>
-              <a:t>2024-08-14</a:t>
+              <a:t>2024-10-28</a:t>
             </a:fld>
             <a:endParaRPr lang="ko-KR" altLang="en-US"/>
           </a:p>
@@ -864,7 +864,7 @@
           <a:p>
             <a:fld id="{E31A602F-9409-4B9A-9D14-798E704D8577}" type="datetimeFigureOut">
               <a:rPr lang="ko-KR" altLang="en-US" smtClean="0"/>
-              <a:t>2024-08-14</a:t>
+              <a:t>2024-10-28</a:t>
             </a:fld>
             <a:endParaRPr lang="ko-KR" altLang="en-US"/>
           </a:p>
@@ -1139,7 +1139,7 @@
           <a:p>
             <a:fld id="{E31A602F-9409-4B9A-9D14-798E704D8577}" type="datetimeFigureOut">
               <a:rPr lang="ko-KR" altLang="en-US" smtClean="0"/>
-              <a:t>2024-08-14</a:t>
+              <a:t>2024-10-28</a:t>
             </a:fld>
             <a:endParaRPr lang="ko-KR" altLang="en-US"/>
           </a:p>
@@ -1404,7 +1404,7 @@
           <a:p>
             <a:fld id="{E31A602F-9409-4B9A-9D14-798E704D8577}" type="datetimeFigureOut">
               <a:rPr lang="ko-KR" altLang="en-US" smtClean="0"/>
-              <a:t>2024-08-14</a:t>
+              <a:t>2024-10-28</a:t>
             </a:fld>
             <a:endParaRPr lang="ko-KR" altLang="en-US"/>
           </a:p>
@@ -1816,7 +1816,7 @@
           <a:p>
             <a:fld id="{E31A602F-9409-4B9A-9D14-798E704D8577}" type="datetimeFigureOut">
               <a:rPr lang="ko-KR" altLang="en-US" smtClean="0"/>
-              <a:t>2024-08-14</a:t>
+              <a:t>2024-10-28</a:t>
             </a:fld>
             <a:endParaRPr lang="ko-KR" altLang="en-US"/>
           </a:p>
@@ -1957,7 +1957,7 @@
           <a:p>
             <a:fld id="{E31A602F-9409-4B9A-9D14-798E704D8577}" type="datetimeFigureOut">
               <a:rPr lang="ko-KR" altLang="en-US" smtClean="0"/>
-              <a:t>2024-08-14</a:t>
+              <a:t>2024-10-28</a:t>
             </a:fld>
             <a:endParaRPr lang="ko-KR" altLang="en-US"/>
           </a:p>
@@ -2070,7 +2070,7 @@
           <a:p>
             <a:fld id="{E31A602F-9409-4B9A-9D14-798E704D8577}" type="datetimeFigureOut">
               <a:rPr lang="ko-KR" altLang="en-US" smtClean="0"/>
-              <a:t>2024-08-14</a:t>
+              <a:t>2024-10-28</a:t>
             </a:fld>
             <a:endParaRPr lang="ko-KR" altLang="en-US"/>
           </a:p>
@@ -2381,7 +2381,7 @@
           <a:p>
             <a:fld id="{E31A602F-9409-4B9A-9D14-798E704D8577}" type="datetimeFigureOut">
               <a:rPr lang="ko-KR" altLang="en-US" smtClean="0"/>
-              <a:t>2024-08-14</a:t>
+              <a:t>2024-10-28</a:t>
             </a:fld>
             <a:endParaRPr lang="ko-KR" altLang="en-US"/>
           </a:p>
@@ -2669,7 +2669,7 @@
           <a:p>
             <a:fld id="{E31A602F-9409-4B9A-9D14-798E704D8577}" type="datetimeFigureOut">
               <a:rPr lang="ko-KR" altLang="en-US" smtClean="0"/>
-              <a:t>2024-08-14</a:t>
+              <a:t>2024-10-28</a:t>
             </a:fld>
             <a:endParaRPr lang="ko-KR" altLang="en-US"/>
           </a:p>
@@ -2910,7 +2910,7 @@
           <a:p>
             <a:fld id="{E31A602F-9409-4B9A-9D14-798E704D8577}" type="datetimeFigureOut">
               <a:rPr lang="ko-KR" altLang="en-US" smtClean="0"/>
-              <a:t>2024-08-14</a:t>
+              <a:t>2024-10-28</a:t>
             </a:fld>
             <a:endParaRPr lang="ko-KR" altLang="en-US"/>
           </a:p>
@@ -3716,10 +3716,10 @@
       </p:sp>
       <p:grpSp>
         <p:nvGrpSpPr>
-          <p:cNvPr id="9" name="그룹 8">
-            <a:extLst>
-              <a:ext uri="{FF2B5EF4-FFF2-40B4-BE49-F238E27FC236}">
-                <a16:creationId xmlns:a16="http://schemas.microsoft.com/office/drawing/2014/main" id="{54553D05-592E-A6FB-5891-956BC581A73C}"/>
+          <p:cNvPr id="6" name="그룹 5">
+            <a:extLst>
+              <a:ext uri="{FF2B5EF4-FFF2-40B4-BE49-F238E27FC236}">
+                <a16:creationId xmlns:a16="http://schemas.microsoft.com/office/drawing/2014/main" id="{340B33B7-B535-F7B6-0739-7F54F1F42499}"/>
               </a:ext>
             </a:extLst>
           </p:cNvPr>

--- a/DsDotNet/src/UnitTest/UnitTest.Model/ImportOfficeExample/SampleA/exportDS/testA/lib/dev.pptx
+++ b/DsDotNet/src/UnitTest/UnitTest.Model/ImportOfficeExample/SampleA/exportDS/testA/lib/dev.pptx
@@ -260,7 +260,7 @@
           <a:p>
             <a:fld id="{E31A602F-9409-4B9A-9D14-798E704D8577}" type="datetimeFigureOut">
               <a:rPr lang="ko-KR" altLang="en-US" smtClean="0"/>
-              <a:t>2024-10-28</a:t>
+              <a:t>2025-01-30</a:t>
             </a:fld>
             <a:endParaRPr lang="ko-KR" altLang="en-US"/>
           </a:p>
@@ -458,7 +458,7 @@
           <a:p>
             <a:fld id="{E31A602F-9409-4B9A-9D14-798E704D8577}" type="datetimeFigureOut">
               <a:rPr lang="ko-KR" altLang="en-US" smtClean="0"/>
-              <a:t>2024-10-28</a:t>
+              <a:t>2025-01-30</a:t>
             </a:fld>
             <a:endParaRPr lang="ko-KR" altLang="en-US"/>
           </a:p>
@@ -666,7 +666,7 @@
           <a:p>
             <a:fld id="{E31A602F-9409-4B9A-9D14-798E704D8577}" type="datetimeFigureOut">
               <a:rPr lang="ko-KR" altLang="en-US" smtClean="0"/>
-              <a:t>2024-10-28</a:t>
+              <a:t>2025-01-30</a:t>
             </a:fld>
             <a:endParaRPr lang="ko-KR" altLang="en-US"/>
           </a:p>
@@ -864,7 +864,7 @@
           <a:p>
             <a:fld id="{E31A602F-9409-4B9A-9D14-798E704D8577}" type="datetimeFigureOut">
               <a:rPr lang="ko-KR" altLang="en-US" smtClean="0"/>
-              <a:t>2024-10-28</a:t>
+              <a:t>2025-01-30</a:t>
             </a:fld>
             <a:endParaRPr lang="ko-KR" altLang="en-US"/>
           </a:p>
@@ -1139,7 +1139,7 @@
           <a:p>
             <a:fld id="{E31A602F-9409-4B9A-9D14-798E704D8577}" type="datetimeFigureOut">
               <a:rPr lang="ko-KR" altLang="en-US" smtClean="0"/>
-              <a:t>2024-10-28</a:t>
+              <a:t>2025-01-30</a:t>
             </a:fld>
             <a:endParaRPr lang="ko-KR" altLang="en-US"/>
           </a:p>
@@ -1404,7 +1404,7 @@
           <a:p>
             <a:fld id="{E31A602F-9409-4B9A-9D14-798E704D8577}" type="datetimeFigureOut">
               <a:rPr lang="ko-KR" altLang="en-US" smtClean="0"/>
-              <a:t>2024-10-28</a:t>
+              <a:t>2025-01-30</a:t>
             </a:fld>
             <a:endParaRPr lang="ko-KR" altLang="en-US"/>
           </a:p>
@@ -1816,7 +1816,7 @@
           <a:p>
             <a:fld id="{E31A602F-9409-4B9A-9D14-798E704D8577}" type="datetimeFigureOut">
               <a:rPr lang="ko-KR" altLang="en-US" smtClean="0"/>
-              <a:t>2024-10-28</a:t>
+              <a:t>2025-01-30</a:t>
             </a:fld>
             <a:endParaRPr lang="ko-KR" altLang="en-US"/>
           </a:p>
@@ -1957,7 +1957,7 @@
           <a:p>
             <a:fld id="{E31A602F-9409-4B9A-9D14-798E704D8577}" type="datetimeFigureOut">
               <a:rPr lang="ko-KR" altLang="en-US" smtClean="0"/>
-              <a:t>2024-10-28</a:t>
+              <a:t>2025-01-30</a:t>
             </a:fld>
             <a:endParaRPr lang="ko-KR" altLang="en-US"/>
           </a:p>
@@ -2070,7 +2070,7 @@
           <a:p>
             <a:fld id="{E31A602F-9409-4B9A-9D14-798E704D8577}" type="datetimeFigureOut">
               <a:rPr lang="ko-KR" altLang="en-US" smtClean="0"/>
-              <a:t>2024-10-28</a:t>
+              <a:t>2025-01-30</a:t>
             </a:fld>
             <a:endParaRPr lang="ko-KR" altLang="en-US"/>
           </a:p>
@@ -2381,7 +2381,7 @@
           <a:p>
             <a:fld id="{E31A602F-9409-4B9A-9D14-798E704D8577}" type="datetimeFigureOut">
               <a:rPr lang="ko-KR" altLang="en-US" smtClean="0"/>
-              <a:t>2024-10-28</a:t>
+              <a:t>2025-01-30</a:t>
             </a:fld>
             <a:endParaRPr lang="ko-KR" altLang="en-US"/>
           </a:p>
@@ -2669,7 +2669,7 @@
           <a:p>
             <a:fld id="{E31A602F-9409-4B9A-9D14-798E704D8577}" type="datetimeFigureOut">
               <a:rPr lang="ko-KR" altLang="en-US" smtClean="0"/>
-              <a:t>2024-10-28</a:t>
+              <a:t>2025-01-30</a:t>
             </a:fld>
             <a:endParaRPr lang="ko-KR" altLang="en-US"/>
           </a:p>
@@ -2910,7 +2910,7 @@
           <a:p>
             <a:fld id="{E31A602F-9409-4B9A-9D14-798E704D8577}" type="datetimeFigureOut">
               <a:rPr lang="ko-KR" altLang="en-US" smtClean="0"/>
-              <a:t>2024-10-28</a:t>
+              <a:t>2025-01-30</a:t>
             </a:fld>
             <a:endParaRPr lang="ko-KR" altLang="en-US"/>
           </a:p>
@@ -3454,8 +3454,8 @@
         </p:nvSpPr>
         <p:spPr>
           <a:xfrm>
-            <a:off x="1847044" y="2233364"/>
-            <a:ext cx="1146220" cy="1191296"/>
+            <a:off x="1727991" y="3630543"/>
+            <a:ext cx="1792387" cy="1191296"/>
           </a:xfrm>
           <a:prstGeom prst="rect">
             <a:avLst/>
@@ -3486,6 +3486,13 @@
               <a:rPr lang="en-US" altLang="ko-KR" u="sng" dirty="0"/>
               <a:t>ADV</a:t>
             </a:r>
+          </a:p>
+          <a:p>
+            <a:pPr algn="ctr"/>
+            <a:r>
+              <a:rPr lang="en-US" altLang="ko-KR" u="sng" dirty="0"/>
+              <a:t>[T(100ms)]</a:t>
+            </a:r>
             <a:endParaRPr lang="ko-KR" altLang="en-US" u="sng" dirty="0"/>
           </a:p>
         </p:txBody>
@@ -3508,8 +3515,8 @@
         </p:nvCxnSpPr>
         <p:spPr>
           <a:xfrm>
-            <a:off x="2993264" y="2829012"/>
-            <a:ext cx="1171058" cy="1397179"/>
+            <a:off x="3520378" y="4226191"/>
+            <a:ext cx="643944" cy="0"/>
           </a:xfrm>
           <a:prstGeom prst="straightConnector1">
             <a:avLst/>

--- a/DsDotNet/src/UnitTest/UnitTest.Model/ImportOfficeExample/SampleA/exportDS/testA/lib/dev.pptx
+++ b/DsDotNet/src/UnitTest/UnitTest.Model/ImportOfficeExample/SampleA/exportDS/testA/lib/dev.pptx
@@ -260,7 +260,7 @@
           <a:p>
             <a:fld id="{E31A602F-9409-4B9A-9D14-798E704D8577}" type="datetimeFigureOut">
               <a:rPr lang="ko-KR" altLang="en-US" smtClean="0"/>
-              <a:t>2025-01-30</a:t>
+              <a:t>2025-04-20</a:t>
             </a:fld>
             <a:endParaRPr lang="ko-KR" altLang="en-US"/>
           </a:p>
@@ -458,7 +458,7 @@
           <a:p>
             <a:fld id="{E31A602F-9409-4B9A-9D14-798E704D8577}" type="datetimeFigureOut">
               <a:rPr lang="ko-KR" altLang="en-US" smtClean="0"/>
-              <a:t>2025-01-30</a:t>
+              <a:t>2025-04-20</a:t>
             </a:fld>
             <a:endParaRPr lang="ko-KR" altLang="en-US"/>
           </a:p>
@@ -666,7 +666,7 @@
           <a:p>
             <a:fld id="{E31A602F-9409-4B9A-9D14-798E704D8577}" type="datetimeFigureOut">
               <a:rPr lang="ko-KR" altLang="en-US" smtClean="0"/>
-              <a:t>2025-01-30</a:t>
+              <a:t>2025-04-20</a:t>
             </a:fld>
             <a:endParaRPr lang="ko-KR" altLang="en-US"/>
           </a:p>
@@ -864,7 +864,7 @@
           <a:p>
             <a:fld id="{E31A602F-9409-4B9A-9D14-798E704D8577}" type="datetimeFigureOut">
               <a:rPr lang="ko-KR" altLang="en-US" smtClean="0"/>
-              <a:t>2025-01-30</a:t>
+              <a:t>2025-04-20</a:t>
             </a:fld>
             <a:endParaRPr lang="ko-KR" altLang="en-US"/>
           </a:p>
@@ -1139,7 +1139,7 @@
           <a:p>
             <a:fld id="{E31A602F-9409-4B9A-9D14-798E704D8577}" type="datetimeFigureOut">
               <a:rPr lang="ko-KR" altLang="en-US" smtClean="0"/>
-              <a:t>2025-01-30</a:t>
+              <a:t>2025-04-20</a:t>
             </a:fld>
             <a:endParaRPr lang="ko-KR" altLang="en-US"/>
           </a:p>
@@ -1404,7 +1404,7 @@
           <a:p>
             <a:fld id="{E31A602F-9409-4B9A-9D14-798E704D8577}" type="datetimeFigureOut">
               <a:rPr lang="ko-KR" altLang="en-US" smtClean="0"/>
-              <a:t>2025-01-30</a:t>
+              <a:t>2025-04-20</a:t>
             </a:fld>
             <a:endParaRPr lang="ko-KR" altLang="en-US"/>
           </a:p>
@@ -1816,7 +1816,7 @@
           <a:p>
             <a:fld id="{E31A602F-9409-4B9A-9D14-798E704D8577}" type="datetimeFigureOut">
               <a:rPr lang="ko-KR" altLang="en-US" smtClean="0"/>
-              <a:t>2025-01-30</a:t>
+              <a:t>2025-04-20</a:t>
             </a:fld>
             <a:endParaRPr lang="ko-KR" altLang="en-US"/>
           </a:p>
@@ -1957,7 +1957,7 @@
           <a:p>
             <a:fld id="{E31A602F-9409-4B9A-9D14-798E704D8577}" type="datetimeFigureOut">
               <a:rPr lang="ko-KR" altLang="en-US" smtClean="0"/>
-              <a:t>2025-01-30</a:t>
+              <a:t>2025-04-20</a:t>
             </a:fld>
             <a:endParaRPr lang="ko-KR" altLang="en-US"/>
           </a:p>
@@ -2070,7 +2070,7 @@
           <a:p>
             <a:fld id="{E31A602F-9409-4B9A-9D14-798E704D8577}" type="datetimeFigureOut">
               <a:rPr lang="ko-KR" altLang="en-US" smtClean="0"/>
-              <a:t>2025-01-30</a:t>
+              <a:t>2025-04-20</a:t>
             </a:fld>
             <a:endParaRPr lang="ko-KR" altLang="en-US"/>
           </a:p>
@@ -2381,7 +2381,7 @@
           <a:p>
             <a:fld id="{E31A602F-9409-4B9A-9D14-798E704D8577}" type="datetimeFigureOut">
               <a:rPr lang="ko-KR" altLang="en-US" smtClean="0"/>
-              <a:t>2025-01-30</a:t>
+              <a:t>2025-04-20</a:t>
             </a:fld>
             <a:endParaRPr lang="ko-KR" altLang="en-US"/>
           </a:p>
@@ -2669,7 +2669,7 @@
           <a:p>
             <a:fld id="{E31A602F-9409-4B9A-9D14-798E704D8577}" type="datetimeFigureOut">
               <a:rPr lang="ko-KR" altLang="en-US" smtClean="0"/>
-              <a:t>2025-01-30</a:t>
+              <a:t>2025-04-20</a:t>
             </a:fld>
             <a:endParaRPr lang="ko-KR" altLang="en-US"/>
           </a:p>
@@ -2910,7 +2910,7 @@
           <a:p>
             <a:fld id="{E31A602F-9409-4B9A-9D14-798E704D8577}" type="datetimeFigureOut">
               <a:rPr lang="ko-KR" altLang="en-US" smtClean="0"/>
-              <a:t>2025-01-30</a:t>
+              <a:t>2025-04-20</a:t>
             </a:fld>
             <a:endParaRPr lang="ko-KR" altLang="en-US"/>
           </a:p>
@@ -3723,10 +3723,10 @@
       </p:sp>
       <p:grpSp>
         <p:nvGrpSpPr>
-          <p:cNvPr id="6" name="그룹 5">
-            <a:extLst>
-              <a:ext uri="{FF2B5EF4-FFF2-40B4-BE49-F238E27FC236}">
-                <a16:creationId xmlns:a16="http://schemas.microsoft.com/office/drawing/2014/main" id="{340B33B7-B535-F7B6-0739-7F54F1F42499}"/>
+          <p:cNvPr id="5" name="그룹 4">
+            <a:extLst>
+              <a:ext uri="{FF2B5EF4-FFF2-40B4-BE49-F238E27FC236}">
+                <a16:creationId xmlns:a16="http://schemas.microsoft.com/office/drawing/2014/main" id="{227B08E6-0AE6-4DE9-7356-756C3C5DC23C}"/>
               </a:ext>
             </a:extLst>
           </p:cNvPr>
